--- a/ClassMaterials/PairProgrammingAndSourceControl/Part2-ReviewerNavigatorDriverTester-Roles.pptx
+++ b/ClassMaterials/PairProgrammingAndSourceControl/Part2-ReviewerNavigatorDriverTester-Roles.pptx
@@ -5,18 +5,19 @@
     <p:sldMasterId id="2147483660" r:id="rId1"/>
   </p:sldMasterIdLst>
   <p:notesMasterIdLst>
-    <p:notesMasterId r:id="rId11"/>
+    <p:notesMasterId r:id="rId12"/>
   </p:notesMasterIdLst>
   <p:sldIdLst>
-    <p:sldId id="338" r:id="rId2"/>
-    <p:sldId id="347" r:id="rId3"/>
-    <p:sldId id="351" r:id="rId4"/>
-    <p:sldId id="348" r:id="rId5"/>
-    <p:sldId id="350" r:id="rId6"/>
-    <p:sldId id="349" r:id="rId7"/>
-    <p:sldId id="344" r:id="rId8"/>
-    <p:sldId id="345" r:id="rId9"/>
-    <p:sldId id="343" r:id="rId10"/>
+    <p:sldId id="352" r:id="rId2"/>
+    <p:sldId id="338" r:id="rId3"/>
+    <p:sldId id="347" r:id="rId4"/>
+    <p:sldId id="351" r:id="rId5"/>
+    <p:sldId id="348" r:id="rId6"/>
+    <p:sldId id="350" r:id="rId7"/>
+    <p:sldId id="349" r:id="rId8"/>
+    <p:sldId id="344" r:id="rId9"/>
+    <p:sldId id="345" r:id="rId10"/>
+    <p:sldId id="343" r:id="rId11"/>
   </p:sldIdLst>
   <p:sldSz cx="12192000" cy="6858000"/>
   <p:notesSz cx="6858000" cy="9144000"/>
@@ -120,6 +121,7 @@
       <p14:sectionLst xmlns:p14="http://schemas.microsoft.com/office/powerpoint/2010/main">
         <p14:section name="RND+T" id="{6BB7FC0A-3CF3-4DBD-A7EC-E00A184E71E8}">
           <p14:sldIdLst>
+            <p14:sldId id="352"/>
             <p14:sldId id="338"/>
             <p14:sldId id="347"/>
             <p14:sldId id="351"/>
@@ -365,7 +367,7 @@
           <inkml:channelProperty channel="Y" name="resolution" value="1000" units="1/cm"/>
         </inkml:channelProperties>
       </inkml:inkSource>
-      <inkml:timestamp xml:id="ts0" timeString="2025-05-04T17:13:48.414"/>
+      <inkml:timestamp xml:id="ts0" timeString="2025-06-05T16:07:39.654"/>
     </inkml:context>
     <inkml:brush xml:id="br0">
       <inkml:brushProperty name="width" value="0.3" units="cm"/>
@@ -376,7 +378,36 @@
       <inkml:brushProperty name="ignorePressure" value="1"/>
     </inkml:brush>
   </inkml:definitions>
-  <inkml:trace contextRef="#ctx0" brushRef="#br0">1 27,'0'-1,"0"0,1 0,-1 0,1 0,-1 0,1 0,0 0,-1 0,1 0,0 0,0 0,0 0,-1 1,1-1,0 0,0 0,0 1,0-1,0 1,1-1,-1 1,0-1,0 1,0 0,0 0,0-1,1 1,0 0,43-5,-37 5,73-2,141 16,-12 0,-5-16,117 4,-88 27,-127-3,-81-17,1-2,0-1,52 4,554-8,-292-5,484 3,-794 0</inkml:trace>
+  <inkml:trace contextRef="#ctx0" brushRef="#br0">0 1,'3168'0,"-3139"0</inkml:trace>
+</inkml:ink>
+</file>
+
+<file path=ppt/ink/ink9.xml><?xml version="1.0" encoding="utf-8"?>
+<inkml:ink xmlns:inkml="http://www.w3.org/2003/InkML">
+  <inkml:definitions>
+    <inkml:context xml:id="ctx0">
+      <inkml:inkSource xml:id="inkSrc0">
+        <inkml:traceFormat>
+          <inkml:channel name="X" type="integer" min="-2.14748E9" max="2.14748E9" units="cm"/>
+          <inkml:channel name="Y" type="integer" min="-2.14748E9" max="2.14748E9" units="cm"/>
+        </inkml:traceFormat>
+        <inkml:channelProperties>
+          <inkml:channelProperty channel="X" name="resolution" value="1000" units="1/cm"/>
+          <inkml:channelProperty channel="Y" name="resolution" value="1000" units="1/cm"/>
+        </inkml:channelProperties>
+      </inkml:inkSource>
+      <inkml:timestamp xml:id="ts0" timeString="2025-06-05T16:07:44.796"/>
+    </inkml:context>
+    <inkml:brush xml:id="br0">
+      <inkml:brushProperty name="width" value="0.3" units="cm"/>
+      <inkml:brushProperty name="height" value="0.6" units="cm"/>
+      <inkml:brushProperty name="color" value="#FFFC00"/>
+      <inkml:brushProperty name="tip" value="rectangle"/>
+      <inkml:brushProperty name="rasterOp" value="maskPen"/>
+      <inkml:brushProperty name="ignorePressure" value="1"/>
+    </inkml:brush>
+  </inkml:definitions>
+  <inkml:trace contextRef="#ctx0" brushRef="#br0">0 0,'5'0,"10"0,12 0,6 0,3 0,-2 0,-5 0</inkml:trace>
 </inkml:ink>
 </file>
 
@@ -462,7 +493,7 @@
           <a:p>
             <a:fld id="{28F7D565-3278-47FB-82CB-054B8DCFC962}" type="datetimeFigureOut">
               <a:rPr lang="en-US" smtClean="0"/>
-              <a:t>5/4/2025</a:t>
+              <a:t>6/5/2025</a:t>
             </a:fld>
             <a:endParaRPr lang="en-US"/>
           </a:p>
@@ -860,7 +891,7 @@
           <a:p>
             <a:fld id="{846CE7D5-CF57-46EF-B807-FDD0502418D4}" type="datetimeFigureOut">
               <a:rPr lang="en-US" smtClean="0"/>
-              <a:t>5/4/2025</a:t>
+              <a:t>6/5/2025</a:t>
             </a:fld>
             <a:endParaRPr lang="en-US"/>
           </a:p>
@@ -1030,7 +1061,7 @@
           <a:p>
             <a:fld id="{846CE7D5-CF57-46EF-B807-FDD0502418D4}" type="datetimeFigureOut">
               <a:rPr lang="en-US" smtClean="0"/>
-              <a:t>5/4/2025</a:t>
+              <a:t>6/5/2025</a:t>
             </a:fld>
             <a:endParaRPr lang="en-US"/>
           </a:p>
@@ -1210,7 +1241,7 @@
           <a:p>
             <a:fld id="{846CE7D5-CF57-46EF-B807-FDD0502418D4}" type="datetimeFigureOut">
               <a:rPr lang="en-US" smtClean="0"/>
-              <a:t>5/4/2025</a:t>
+              <a:t>6/5/2025</a:t>
             </a:fld>
             <a:endParaRPr lang="en-US"/>
           </a:p>
@@ -1380,7 +1411,7 @@
           <a:p>
             <a:fld id="{846CE7D5-CF57-46EF-B807-FDD0502418D4}" type="datetimeFigureOut">
               <a:rPr lang="en-US" smtClean="0"/>
-              <a:t>5/4/2025</a:t>
+              <a:t>6/5/2025</a:t>
             </a:fld>
             <a:endParaRPr lang="en-US"/>
           </a:p>
@@ -1626,7 +1657,7 @@
           <a:p>
             <a:fld id="{846CE7D5-CF57-46EF-B807-FDD0502418D4}" type="datetimeFigureOut">
               <a:rPr lang="en-US" smtClean="0"/>
-              <a:t>5/4/2025</a:t>
+              <a:t>6/5/2025</a:t>
             </a:fld>
             <a:endParaRPr lang="en-US"/>
           </a:p>
@@ -1858,7 +1889,7 @@
           <a:p>
             <a:fld id="{846CE7D5-CF57-46EF-B807-FDD0502418D4}" type="datetimeFigureOut">
               <a:rPr lang="en-US" smtClean="0"/>
-              <a:t>5/4/2025</a:t>
+              <a:t>6/5/2025</a:t>
             </a:fld>
             <a:endParaRPr lang="en-US"/>
           </a:p>
@@ -2225,7 +2256,7 @@
           <a:p>
             <a:fld id="{846CE7D5-CF57-46EF-B807-FDD0502418D4}" type="datetimeFigureOut">
               <a:rPr lang="en-US" smtClean="0"/>
-              <a:t>5/4/2025</a:t>
+              <a:t>6/5/2025</a:t>
             </a:fld>
             <a:endParaRPr lang="en-US"/>
           </a:p>
@@ -2343,7 +2374,7 @@
           <a:p>
             <a:fld id="{846CE7D5-CF57-46EF-B807-FDD0502418D4}" type="datetimeFigureOut">
               <a:rPr lang="en-US" smtClean="0"/>
-              <a:t>5/4/2025</a:t>
+              <a:t>6/5/2025</a:t>
             </a:fld>
             <a:endParaRPr lang="en-US"/>
           </a:p>
@@ -2438,7 +2469,7 @@
           <a:p>
             <a:fld id="{846CE7D5-CF57-46EF-B807-FDD0502418D4}" type="datetimeFigureOut">
               <a:rPr lang="en-US" smtClean="0"/>
-              <a:t>5/4/2025</a:t>
+              <a:t>6/5/2025</a:t>
             </a:fld>
             <a:endParaRPr lang="en-US"/>
           </a:p>
@@ -2715,7 +2746,7 @@
           <a:p>
             <a:fld id="{846CE7D5-CF57-46EF-B807-FDD0502418D4}" type="datetimeFigureOut">
               <a:rPr lang="en-US" smtClean="0"/>
-              <a:t>5/4/2025</a:t>
+              <a:t>6/5/2025</a:t>
             </a:fld>
             <a:endParaRPr lang="en-US"/>
           </a:p>
@@ -2972,7 +3003,7 @@
           <a:p>
             <a:fld id="{846CE7D5-CF57-46EF-B807-FDD0502418D4}" type="datetimeFigureOut">
               <a:rPr lang="en-US" smtClean="0"/>
-              <a:t>5/4/2025</a:t>
+              <a:t>6/5/2025</a:t>
             </a:fld>
             <a:endParaRPr lang="en-US"/>
           </a:p>
@@ -3185,7 +3216,7 @@
           <a:p>
             <a:fld id="{846CE7D5-CF57-46EF-B807-FDD0502418D4}" type="datetimeFigureOut">
               <a:rPr lang="en-US" smtClean="0"/>
-              <a:t>5/4/2025</a:t>
+              <a:t>6/5/2025</a:t>
             </a:fld>
             <a:endParaRPr lang="en-US"/>
           </a:p>
@@ -3595,6 +3626,384 @@
           <p:cNvPr id="2" name="Title 1">
             <a:extLst>
               <a:ext uri="{FF2B5EF4-FFF2-40B4-BE49-F238E27FC236}">
+                <a16:creationId xmlns:a16="http://schemas.microsoft.com/office/drawing/2014/main" id="{5EDA49EA-B7F3-0534-8F8A-165A48B691C1}"/>
+              </a:ext>
+            </a:extLst>
+          </p:cNvPr>
+          <p:cNvSpPr>
+            <a:spLocks noGrp="1"/>
+          </p:cNvSpPr>
+          <p:nvPr>
+            <p:ph type="title"/>
+          </p:nvPr>
+        </p:nvSpPr>
+        <p:spPr/>
+        <p:txBody>
+          <a:bodyPr>
+            <a:normAutofit/>
+          </a:bodyPr>
+          <a:lstStyle/>
+          <a:p>
+            <a:pPr algn="ctr"/>
+            <a:r>
+              <a:rPr lang="en-US" sz="6600" b="1" dirty="0"/>
+              <a:t>! IMPORTANT NOTE !</a:t>
+            </a:r>
+          </a:p>
+        </p:txBody>
+      </p:sp>
+      <p:sp>
+        <p:nvSpPr>
+          <p:cNvPr id="3" name="Content Placeholder 2">
+            <a:extLst>
+              <a:ext uri="{FF2B5EF4-FFF2-40B4-BE49-F238E27FC236}">
+                <a16:creationId xmlns:a16="http://schemas.microsoft.com/office/drawing/2014/main" id="{F3563599-98F1-9F51-FBC1-4B028F795023}"/>
+              </a:ext>
+            </a:extLst>
+          </p:cNvPr>
+          <p:cNvSpPr>
+            <a:spLocks noGrp="1"/>
+          </p:cNvSpPr>
+          <p:nvPr>
+            <p:ph idx="1"/>
+          </p:nvPr>
+        </p:nvSpPr>
+        <p:spPr/>
+        <p:txBody>
+          <a:bodyPr>
+            <a:normAutofit/>
+          </a:bodyPr>
+          <a:lstStyle/>
+          <a:p>
+            <a:r>
+              <a:rPr lang="en-US" dirty="0"/>
+              <a:t>Role are defined to provide structure </a:t>
+            </a:r>
+            <a:r>
+              <a:rPr lang="en-US" i="1" dirty="0"/>
+              <a:t>as much as is helpful</a:t>
+            </a:r>
+          </a:p>
+          <a:p>
+            <a:r>
+              <a:rPr lang="en-US" dirty="0"/>
+              <a:t>These do </a:t>
+            </a:r>
+            <a:r>
+              <a:rPr lang="en-US" i="1" dirty="0"/>
+              <a:t>NOT</a:t>
+            </a:r>
+            <a:r>
+              <a:rPr lang="en-US" dirty="0"/>
+              <a:t> need to be rigid roles, they can be </a:t>
+            </a:r>
+            <a:r>
+              <a:rPr lang="en-US" i="1" dirty="0"/>
+              <a:t>flexible</a:t>
+            </a:r>
+          </a:p>
+          <a:p>
+            <a:pPr lvl="1"/>
+            <a:r>
+              <a:rPr lang="en-US" dirty="0"/>
+              <a:t>e.g. Adam might cover some work for Becky, Becky for Adam</a:t>
+            </a:r>
+          </a:p>
+          <a:p>
+            <a:pPr lvl="1"/>
+            <a:r>
+              <a:rPr lang="en-US" dirty="0"/>
+              <a:t>e.g. Someone might have an emergency and unable to contribute briefly</a:t>
+            </a:r>
+          </a:p>
+          <a:p>
+            <a:r>
+              <a:rPr lang="en-US" dirty="0"/>
+              <a:t>Most important is to work as a TEAM</a:t>
+            </a:r>
+          </a:p>
+          <a:p>
+            <a:pPr lvl="1"/>
+            <a:r>
+              <a:rPr lang="en-US" dirty="0"/>
+              <a:t>Everyone should have a chance to speak their ideas</a:t>
+            </a:r>
+          </a:p>
+          <a:p>
+            <a:pPr lvl="1"/>
+            <a:r>
+              <a:rPr lang="en-US" dirty="0"/>
+              <a:t>Everyone should respect one another and listen to new ideas with openness</a:t>
+            </a:r>
+          </a:p>
+          <a:p>
+            <a:pPr lvl="1"/>
+            <a:r>
+              <a:rPr lang="en-US" dirty="0"/>
+              <a:t>Everyone should have an opportunity to make contributions</a:t>
+            </a:r>
+          </a:p>
+          <a:p>
+            <a:pPr lvl="1"/>
+            <a:r>
+              <a:rPr lang="en-US" dirty="0"/>
+              <a:t>Everyone should make contributions (to code and otherwise)</a:t>
+            </a:r>
+          </a:p>
+          <a:p>
+            <a:pPr lvl="1"/>
+            <a:r>
+              <a:rPr lang="en-US" dirty="0"/>
+              <a:t>Everyone should be helping one another</a:t>
+            </a:r>
+          </a:p>
+          <a:p>
+            <a:pPr lvl="1"/>
+            <a:endParaRPr lang="en-US" dirty="0"/>
+          </a:p>
+          <a:p>
+            <a:pPr lvl="1"/>
+            <a:endParaRPr lang="en-US" dirty="0"/>
+          </a:p>
+          <a:p>
+            <a:pPr lvl="1"/>
+            <a:endParaRPr lang="en-US" dirty="0"/>
+          </a:p>
+        </p:txBody>
+      </p:sp>
+    </p:spTree>
+    <p:extLst>
+      <p:ext uri="{BB962C8B-B14F-4D97-AF65-F5344CB8AC3E}">
+        <p14:creationId xmlns:p14="http://schemas.microsoft.com/office/powerpoint/2010/main" val="2036599147"/>
+      </p:ext>
+    </p:extLst>
+  </p:cSld>
+  <p:clrMapOvr>
+    <a:masterClrMapping/>
+  </p:clrMapOvr>
+</p:sld>
+</file>
+
+<file path=ppt/slides/slide10.xml><?xml version="1.0" encoding="utf-8"?>
+<p:sld xmlns:a="http://schemas.openxmlformats.org/drawingml/2006/main" xmlns:r="http://schemas.openxmlformats.org/officeDocument/2006/relationships" xmlns:p="http://schemas.openxmlformats.org/presentationml/2006/main">
+  <p:cSld>
+    <p:spTree>
+      <p:nvGrpSpPr>
+        <p:cNvPr id="1" name=""/>
+        <p:cNvGrpSpPr/>
+        <p:nvPr/>
+      </p:nvGrpSpPr>
+      <p:grpSpPr>
+        <a:xfrm>
+          <a:off x="0" y="0"/>
+          <a:ext cx="0" cy="0"/>
+          <a:chOff x="0" y="0"/>
+          <a:chExt cx="0" cy="0"/>
+        </a:xfrm>
+      </p:grpSpPr>
+      <p:sp>
+        <p:nvSpPr>
+          <p:cNvPr id="2" name="Title 1">
+            <a:extLst>
+              <a:ext uri="{FF2B5EF4-FFF2-40B4-BE49-F238E27FC236}">
+                <a16:creationId xmlns:a16="http://schemas.microsoft.com/office/drawing/2014/main" id="{24FE78B5-AE58-AEDE-AB9F-6EF41957337D}"/>
+              </a:ext>
+            </a:extLst>
+          </p:cNvPr>
+          <p:cNvSpPr>
+            <a:spLocks noGrp="1"/>
+          </p:cNvSpPr>
+          <p:nvPr>
+            <p:ph type="title"/>
+          </p:nvPr>
+        </p:nvSpPr>
+        <p:spPr>
+          <a:xfrm>
+            <a:off x="863029" y="0"/>
+            <a:ext cx="10428269" cy="1325563"/>
+          </a:xfrm>
+        </p:spPr>
+        <p:txBody>
+          <a:bodyPr>
+            <a:normAutofit/>
+          </a:bodyPr>
+          <a:lstStyle/>
+          <a:p>
+            <a:pPr algn="ctr"/>
+            <a:r>
+              <a:rPr lang="en-US" dirty="0"/>
+              <a:t>Tester (Teams of 4)</a:t>
+            </a:r>
+          </a:p>
+        </p:txBody>
+      </p:sp>
+      <p:pic>
+        <p:nvPicPr>
+          <p:cNvPr id="8" name="Picture 7">
+            <a:extLst>
+              <a:ext uri="{FF2B5EF4-FFF2-40B4-BE49-F238E27FC236}">
+                <a16:creationId xmlns:a16="http://schemas.microsoft.com/office/drawing/2014/main" id="{3EF4EC1F-9921-C2C1-A95E-52E12DBE357C}"/>
+              </a:ext>
+            </a:extLst>
+          </p:cNvPr>
+          <p:cNvPicPr>
+            <a:picLocks noChangeAspect="1"/>
+          </p:cNvPicPr>
+          <p:nvPr/>
+        </p:nvPicPr>
+        <p:blipFill>
+          <a:blip r:embed="rId2"/>
+          <a:stretch>
+            <a:fillRect/>
+          </a:stretch>
+        </p:blipFill>
+        <p:spPr>
+          <a:xfrm>
+            <a:off x="264948" y="1623760"/>
+            <a:ext cx="11807608" cy="4057193"/>
+          </a:xfrm>
+          <a:prstGeom prst="rect">
+            <a:avLst/>
+          </a:prstGeom>
+        </p:spPr>
+      </p:pic>
+      <mc:AlternateContent xmlns:mc="http://schemas.openxmlformats.org/markup-compatibility/2006">
+        <mc:Choice xmlns:p14="http://schemas.microsoft.com/office/powerpoint/2010/main" Requires="p14">
+          <p:contentPart p14:bwMode="auto" r:id="rId3">
+            <p14:nvContentPartPr>
+              <p14:cNvPr id="9" name="Ink 8">
+                <a:extLst>
+                  <a:ext uri="{FF2B5EF4-FFF2-40B4-BE49-F238E27FC236}">
+                    <a16:creationId xmlns:a16="http://schemas.microsoft.com/office/drawing/2014/main" id="{FCC96555-E4EA-6FCD-30A6-C04478010922}"/>
+                  </a:ext>
+                </a:extLst>
+              </p14:cNvPr>
+              <p14:cNvContentPartPr/>
+              <p14:nvPr/>
+            </p14:nvContentPartPr>
+            <p14:xfrm>
+              <a:off x="6429845" y="4484053"/>
+              <a:ext cx="1151280" cy="360"/>
+            </p14:xfrm>
+          </p:contentPart>
+        </mc:Choice>
+        <mc:Fallback>
+          <p:pic>
+            <p:nvPicPr>
+              <p:cNvPr id="9" name="Ink 8">
+                <a:extLst>
+                  <a:ext uri="{FF2B5EF4-FFF2-40B4-BE49-F238E27FC236}">
+                    <a16:creationId xmlns:a16="http://schemas.microsoft.com/office/drawing/2014/main" id="{FCC96555-E4EA-6FCD-30A6-C04478010922}"/>
+                  </a:ext>
+                </a:extLst>
+              </p:cNvPr>
+              <p:cNvPicPr/>
+              <p:nvPr/>
+            </p:nvPicPr>
+            <p:blipFill>
+              <a:blip r:embed="rId4"/>
+              <a:stretch>
+                <a:fillRect/>
+              </a:stretch>
+            </p:blipFill>
+            <p:spPr>
+              <a:xfrm>
+                <a:off x="6375845" y="4376413"/>
+                <a:ext cx="1258920" cy="216000"/>
+              </a:xfrm>
+              <a:prstGeom prst="rect">
+                <a:avLst/>
+              </a:prstGeom>
+            </p:spPr>
+          </p:pic>
+        </mc:Fallback>
+      </mc:AlternateContent>
+      <mc:AlternateContent xmlns:mc="http://schemas.openxmlformats.org/markup-compatibility/2006">
+        <mc:Choice xmlns:p14="http://schemas.microsoft.com/office/powerpoint/2010/main" Requires="p14">
+          <p:contentPart p14:bwMode="auto" r:id="rId5">
+            <p14:nvContentPartPr>
+              <p14:cNvPr id="10" name="Ink 9">
+                <a:extLst>
+                  <a:ext uri="{FF2B5EF4-FFF2-40B4-BE49-F238E27FC236}">
+                    <a16:creationId xmlns:a16="http://schemas.microsoft.com/office/drawing/2014/main" id="{573FF665-ECA1-8A04-145A-1ED3DC107875}"/>
+                  </a:ext>
+                </a:extLst>
+              </p14:cNvPr>
+              <p14:cNvContentPartPr/>
+              <p14:nvPr/>
+            </p14:nvContentPartPr>
+            <p14:xfrm>
+              <a:off x="5894885" y="4173013"/>
+              <a:ext cx="64440" cy="360"/>
+            </p14:xfrm>
+          </p:contentPart>
+        </mc:Choice>
+        <mc:Fallback>
+          <p:pic>
+            <p:nvPicPr>
+              <p:cNvPr id="10" name="Ink 9">
+                <a:extLst>
+                  <a:ext uri="{FF2B5EF4-FFF2-40B4-BE49-F238E27FC236}">
+                    <a16:creationId xmlns:a16="http://schemas.microsoft.com/office/drawing/2014/main" id="{573FF665-ECA1-8A04-145A-1ED3DC107875}"/>
+                  </a:ext>
+                </a:extLst>
+              </p:cNvPr>
+              <p:cNvPicPr/>
+              <p:nvPr/>
+            </p:nvPicPr>
+            <p:blipFill>
+              <a:blip r:embed="rId6"/>
+              <a:stretch>
+                <a:fillRect/>
+              </a:stretch>
+            </p:blipFill>
+            <p:spPr>
+              <a:xfrm>
+                <a:off x="5840885" y="4065013"/>
+                <a:ext cx="172080" cy="216000"/>
+              </a:xfrm>
+              <a:prstGeom prst="rect">
+                <a:avLst/>
+              </a:prstGeom>
+            </p:spPr>
+          </p:pic>
+        </mc:Fallback>
+      </mc:AlternateContent>
+    </p:spTree>
+    <p:extLst>
+      <p:ext uri="{BB962C8B-B14F-4D97-AF65-F5344CB8AC3E}">
+        <p14:creationId xmlns:p14="http://schemas.microsoft.com/office/powerpoint/2010/main" val="2080053167"/>
+      </p:ext>
+    </p:extLst>
+  </p:cSld>
+  <p:clrMapOvr>
+    <a:masterClrMapping/>
+  </p:clrMapOvr>
+</p:sld>
+</file>
+
+<file path=ppt/slides/slide2.xml><?xml version="1.0" encoding="utf-8"?>
+<p:sld xmlns:a="http://schemas.openxmlformats.org/drawingml/2006/main" xmlns:r="http://schemas.openxmlformats.org/officeDocument/2006/relationships" xmlns:p="http://schemas.openxmlformats.org/presentationml/2006/main">
+  <p:cSld>
+    <p:spTree>
+      <p:nvGrpSpPr>
+        <p:cNvPr id="1" name=""/>
+        <p:cNvGrpSpPr/>
+        <p:nvPr/>
+      </p:nvGrpSpPr>
+      <p:grpSpPr>
+        <a:xfrm>
+          <a:off x="0" y="0"/>
+          <a:ext cx="0" cy="0"/>
+          <a:chOff x="0" y="0"/>
+          <a:chExt cx="0" cy="0"/>
+        </a:xfrm>
+      </p:grpSpPr>
+      <p:sp>
+        <p:nvSpPr>
+          <p:cNvPr id="2" name="Title 1">
+            <a:extLst>
+              <a:ext uri="{FF2B5EF4-FFF2-40B4-BE49-F238E27FC236}">
                 <a16:creationId xmlns:a16="http://schemas.microsoft.com/office/drawing/2014/main" id="{C994D7BA-9984-A4D2-E729-9C45B7752071}"/>
               </a:ext>
             </a:extLst>
@@ -3773,7 +4182,7 @@
 </p:sld>
 </file>
 
-<file path=ppt/slides/slide2.xml><?xml version="1.0" encoding="utf-8"?>
+<file path=ppt/slides/slide3.xml><?xml version="1.0" encoding="utf-8"?>
 <p:sld xmlns:a="http://schemas.openxmlformats.org/drawingml/2006/main" xmlns:r="http://schemas.openxmlformats.org/officeDocument/2006/relationships" xmlns:p="http://schemas.openxmlformats.org/presentationml/2006/main">
   <p:cSld>
     <p:spTree>
@@ -3991,7 +4400,7 @@
 </p:sld>
 </file>
 
-<file path=ppt/slides/slide3.xml><?xml version="1.0" encoding="utf-8"?>
+<file path=ppt/slides/slide4.xml><?xml version="1.0" encoding="utf-8"?>
 <p:sld xmlns:a="http://schemas.openxmlformats.org/drawingml/2006/main" xmlns:r="http://schemas.openxmlformats.org/officeDocument/2006/relationships" xmlns:p="http://schemas.openxmlformats.org/presentationml/2006/main">
   <p:cSld>
     <p:spTree>
@@ -4083,7 +4492,7 @@
 </p:sld>
 </file>
 
-<file path=ppt/slides/slide4.xml><?xml version="1.0" encoding="utf-8"?>
+<file path=ppt/slides/slide5.xml><?xml version="1.0" encoding="utf-8"?>
 <p:sld xmlns:a="http://schemas.openxmlformats.org/drawingml/2006/main" xmlns:r="http://schemas.openxmlformats.org/officeDocument/2006/relationships" xmlns:p="http://schemas.openxmlformats.org/presentationml/2006/main">
   <p:cSld>
     <p:spTree>
@@ -4173,7 +4582,7 @@
           </a:lstStyle>
           <a:p>
             <a:r>
-              <a:rPr lang="en-US">
+              <a:rPr lang="en-US" dirty="0">
                 <a:hlinkClick r:id="rId2"/>
               </a:rPr>
               <a:t>RND+T – Reviewer, Navigator, Driver, Tester</a:t>
@@ -4225,7 +4634,7 @@
 </p:sld>
 </file>
 
-<file path=ppt/slides/slide5.xml><?xml version="1.0" encoding="utf-8"?>
+<file path=ppt/slides/slide6.xml><?xml version="1.0" encoding="utf-8"?>
 <p:sld xmlns:a="http://schemas.openxmlformats.org/drawingml/2006/main" xmlns:r="http://schemas.openxmlformats.org/officeDocument/2006/relationships" xmlns:p="http://schemas.openxmlformats.org/presentationml/2006/main">
   <p:cSld>
     <p:spTree>
@@ -4242,12 +4651,71 @@
           <a:chExt cx="0" cy="0"/>
         </a:xfrm>
       </p:grpSpPr>
+      <p:sp>
+        <p:nvSpPr>
+          <p:cNvPr id="8" name="Title 1">
+            <a:extLst>
+              <a:ext uri="{FF2B5EF4-FFF2-40B4-BE49-F238E27FC236}">
+                <a16:creationId xmlns:a16="http://schemas.microsoft.com/office/drawing/2014/main" id="{F01A2D3D-03AD-80BF-15C6-625363F0DC3B}"/>
+              </a:ext>
+            </a:extLst>
+          </p:cNvPr>
+          <p:cNvSpPr txBox="1">
+            <a:spLocks/>
+          </p:cNvSpPr>
+          <p:nvPr/>
+        </p:nvSpPr>
+        <p:spPr>
+          <a:xfrm>
+            <a:off x="682375" y="60973"/>
+            <a:ext cx="10515600" cy="1325563"/>
+          </a:xfrm>
+          <a:prstGeom prst="rect">
+            <a:avLst/>
+          </a:prstGeom>
+        </p:spPr>
+        <p:txBody>
+          <a:bodyPr vert="horz" lIns="91440" tIns="45720" rIns="91440" bIns="45720" rtlCol="0" anchor="ctr">
+            <a:normAutofit/>
+          </a:bodyPr>
+          <a:lstStyle>
+            <a:lvl1pPr algn="l" defTabSz="914400" rtl="0" eaLnBrk="1" latinLnBrk="0" hangingPunct="1">
+              <a:lnSpc>
+                <a:spcPct val="90000"/>
+              </a:lnSpc>
+              <a:spcBef>
+                <a:spcPct val="0"/>
+              </a:spcBef>
+              <a:buNone/>
+              <a:defRPr sz="4400" kern="1200">
+                <a:solidFill>
+                  <a:schemeClr val="tx1"/>
+                </a:solidFill>
+                <a:latin typeface="+mj-lt"/>
+                <a:ea typeface="+mj-ea"/>
+                <a:cs typeface="+mj-cs"/>
+              </a:defRPr>
+            </a:lvl1pPr>
+          </a:lstStyle>
+          <a:p>
+            <a:pPr algn="ctr"/>
+            <a:r>
+              <a:rPr lang="en-US"/>
+              <a:t>Possible Rotations for Teams of 4</a:t>
+            </a:r>
+            <a:br>
+              <a:rPr lang="en-US"/>
+            </a:br>
+            <a:endParaRPr lang="en-US" dirty="0"/>
+          </a:p>
+        </p:txBody>
+      </p:sp>
       <p:pic>
         <p:nvPicPr>
-          <p:cNvPr id="5" name="Picture 4">
+          <p:cNvPr id="3" name="Picture 2">
             <a:extLst>
               <a:ext uri="{FF2B5EF4-FFF2-40B4-BE49-F238E27FC236}">
-                <a16:creationId xmlns:a16="http://schemas.microsoft.com/office/drawing/2014/main" id="{5D581128-6BC0-6789-72F3-537FA10B2961}"/>
+                <a16:creationId xmlns:a16="http://schemas.microsoft.com/office/drawing/2014/main" id="{FF6D7493-44E1-1C86-16F1-2886D2225096}"/>
               </a:ext>
             </a:extLst>
           </p:cNvPr>
@@ -4264,73 +4732,14 @@
         </p:blipFill>
         <p:spPr>
           <a:xfrm>
-            <a:off x="1088204" y="884313"/>
-            <a:ext cx="9031841" cy="5912714"/>
+            <a:off x="1626127" y="723754"/>
+            <a:ext cx="8231551" cy="5898404"/>
           </a:xfrm>
           <a:prstGeom prst="rect">
             <a:avLst/>
           </a:prstGeom>
         </p:spPr>
       </p:pic>
-      <p:sp>
-        <p:nvSpPr>
-          <p:cNvPr id="8" name="Title 1">
-            <a:extLst>
-              <a:ext uri="{FF2B5EF4-FFF2-40B4-BE49-F238E27FC236}">
-                <a16:creationId xmlns:a16="http://schemas.microsoft.com/office/drawing/2014/main" id="{F01A2D3D-03AD-80BF-15C6-625363F0DC3B}"/>
-              </a:ext>
-            </a:extLst>
-          </p:cNvPr>
-          <p:cNvSpPr txBox="1">
-            <a:spLocks/>
-          </p:cNvSpPr>
-          <p:nvPr/>
-        </p:nvSpPr>
-        <p:spPr>
-          <a:xfrm>
-            <a:off x="682375" y="60973"/>
-            <a:ext cx="10515600" cy="1325563"/>
-          </a:xfrm>
-          <a:prstGeom prst="rect">
-            <a:avLst/>
-          </a:prstGeom>
-        </p:spPr>
-        <p:txBody>
-          <a:bodyPr vert="horz" lIns="91440" tIns="45720" rIns="91440" bIns="45720" rtlCol="0" anchor="ctr">
-            <a:normAutofit/>
-          </a:bodyPr>
-          <a:lstStyle>
-            <a:lvl1pPr algn="l" defTabSz="914400" rtl="0" eaLnBrk="1" latinLnBrk="0" hangingPunct="1">
-              <a:lnSpc>
-                <a:spcPct val="90000"/>
-              </a:lnSpc>
-              <a:spcBef>
-                <a:spcPct val="0"/>
-              </a:spcBef>
-              <a:buNone/>
-              <a:defRPr sz="4400" kern="1200">
-                <a:solidFill>
-                  <a:schemeClr val="tx1"/>
-                </a:solidFill>
-                <a:latin typeface="+mj-lt"/>
-                <a:ea typeface="+mj-ea"/>
-                <a:cs typeface="+mj-cs"/>
-              </a:defRPr>
-            </a:lvl1pPr>
-          </a:lstStyle>
-          <a:p>
-            <a:pPr algn="ctr"/>
-            <a:r>
-              <a:rPr lang="en-US" dirty="0"/>
-              <a:t>Possible Rotations for Teams of 4</a:t>
-            </a:r>
-            <a:br>
-              <a:rPr lang="en-US" dirty="0"/>
-            </a:br>
-            <a:endParaRPr lang="en-US" dirty="0"/>
-          </a:p>
-        </p:txBody>
-      </p:sp>
     </p:spTree>
     <p:extLst>
       <p:ext uri="{BB962C8B-B14F-4D97-AF65-F5344CB8AC3E}">
@@ -4344,7 +4753,7 @@
 </p:sld>
 </file>
 
-<file path=ppt/slides/slide6.xml><?xml version="1.0" encoding="utf-8"?>
+<file path=ppt/slides/slide7.xml><?xml version="1.0" encoding="utf-8"?>
 <p:sld xmlns:a="http://schemas.openxmlformats.org/drawingml/2006/main" xmlns:r="http://schemas.openxmlformats.org/officeDocument/2006/relationships" xmlns:p="http://schemas.openxmlformats.org/presentationml/2006/main">
   <p:cSld>
     <p:spTree>
@@ -4430,8 +4839,8 @@
           </a:p>
         </p:txBody>
       </p:sp>
-      <mc:AlternateContent xmlns:mc="http://schemas.openxmlformats.org/markup-compatibility/2006">
-        <mc:Choice xmlns:p14="http://schemas.microsoft.com/office/powerpoint/2010/main" Requires="p14">
+      <mc:AlternateContent xmlns:mc="http://schemas.openxmlformats.org/markup-compatibility/2006" xmlns:p14="http://schemas.microsoft.com/office/powerpoint/2010/main">
+        <mc:Choice Requires="p14">
           <p:contentPart p14:bwMode="auto" r:id="rId3">
             <p14:nvContentPartPr>
               <p14:cNvPr id="6" name="Ink 5">
@@ -4450,7 +4859,7 @@
             </p14:xfrm>
           </p:contentPart>
         </mc:Choice>
-        <mc:Fallback>
+        <mc:Fallback xmlns="">
           <p:pic>
             <p:nvPicPr>
               <p:cNvPr id="6" name="Ink 5">
@@ -4494,7 +4903,7 @@
 </p:sld>
 </file>
 
-<file path=ppt/slides/slide7.xml><?xml version="1.0" encoding="utf-8"?>
+<file path=ppt/slides/slide8.xml><?xml version="1.0" encoding="utf-8"?>
 <p:sld xmlns:a="http://schemas.openxmlformats.org/drawingml/2006/main" xmlns:r="http://schemas.openxmlformats.org/officeDocument/2006/relationships" xmlns:p="http://schemas.openxmlformats.org/presentationml/2006/main">
   <p:cSld>
     <p:spTree>
@@ -4574,8 +4983,8 @@
           </a:p>
         </p:txBody>
       </p:sp>
-      <mc:AlternateContent xmlns:mc="http://schemas.openxmlformats.org/markup-compatibility/2006">
-        <mc:Choice xmlns:p14="http://schemas.microsoft.com/office/powerpoint/2010/main" Requires="p14">
+      <mc:AlternateContent xmlns:mc="http://schemas.openxmlformats.org/markup-compatibility/2006" xmlns:p14="http://schemas.microsoft.com/office/powerpoint/2010/main">
+        <mc:Choice Requires="p14">
           <p:contentPart p14:bwMode="auto" r:id="rId3">
             <p14:nvContentPartPr>
               <p14:cNvPr id="8" name="Ink 7">
@@ -4594,7 +5003,7 @@
             </p14:xfrm>
           </p:contentPart>
         </mc:Choice>
-        <mc:Fallback>
+        <mc:Fallback xmlns="">
           <p:pic>
             <p:nvPicPr>
               <p:cNvPr id="8" name="Ink 7">
@@ -4638,7 +5047,7 @@
 </p:sld>
 </file>
 
-<file path=ppt/slides/slide8.xml><?xml version="1.0" encoding="utf-8"?>
+<file path=ppt/slides/slide9.xml><?xml version="1.0" encoding="utf-8"?>
 <p:sld xmlns:a="http://schemas.openxmlformats.org/drawingml/2006/main" xmlns:r="http://schemas.openxmlformats.org/officeDocument/2006/relationships" xmlns:p="http://schemas.openxmlformats.org/presentationml/2006/main">
   <p:cSld>
     <p:spTree>
@@ -4718,8 +5127,8 @@
           </a:prstGeom>
         </p:spPr>
       </p:pic>
-      <mc:AlternateContent xmlns:mc="http://schemas.openxmlformats.org/markup-compatibility/2006">
-        <mc:Choice xmlns:p14="http://schemas.microsoft.com/office/powerpoint/2010/main" Requires="p14">
+      <mc:AlternateContent xmlns:mc="http://schemas.openxmlformats.org/markup-compatibility/2006" xmlns:p14="http://schemas.microsoft.com/office/powerpoint/2010/main">
+        <mc:Choice Requires="p14">
           <p:contentPart p14:bwMode="auto" r:id="rId3">
             <p14:nvContentPartPr>
               <p14:cNvPr id="7" name="Ink 6">
@@ -4738,7 +5147,7 @@
             </p14:xfrm>
           </p:contentPart>
         </mc:Choice>
-        <mc:Fallback>
+        <mc:Fallback xmlns="">
           <p:pic>
             <p:nvPicPr>
               <p:cNvPr id="7" name="Ink 6">
@@ -4773,153 +5182,6 @@
     <p:extLst>
       <p:ext uri="{BB962C8B-B14F-4D97-AF65-F5344CB8AC3E}">
         <p14:creationId xmlns:p14="http://schemas.microsoft.com/office/powerpoint/2010/main" val="1761611366"/>
-      </p:ext>
-    </p:extLst>
-  </p:cSld>
-  <p:clrMapOvr>
-    <a:masterClrMapping/>
-  </p:clrMapOvr>
-</p:sld>
-</file>
-
-<file path=ppt/slides/slide9.xml><?xml version="1.0" encoding="utf-8"?>
-<p:sld xmlns:a="http://schemas.openxmlformats.org/drawingml/2006/main" xmlns:r="http://schemas.openxmlformats.org/officeDocument/2006/relationships" xmlns:p="http://schemas.openxmlformats.org/presentationml/2006/main">
-  <p:cSld>
-    <p:spTree>
-      <p:nvGrpSpPr>
-        <p:cNvPr id="1" name=""/>
-        <p:cNvGrpSpPr/>
-        <p:nvPr/>
-      </p:nvGrpSpPr>
-      <p:grpSpPr>
-        <a:xfrm>
-          <a:off x="0" y="0"/>
-          <a:ext cx="0" cy="0"/>
-          <a:chOff x="0" y="0"/>
-          <a:chExt cx="0" cy="0"/>
-        </a:xfrm>
-      </p:grpSpPr>
-      <p:sp>
-        <p:nvSpPr>
-          <p:cNvPr id="2" name="Title 1">
-            <a:extLst>
-              <a:ext uri="{FF2B5EF4-FFF2-40B4-BE49-F238E27FC236}">
-                <a16:creationId xmlns:a16="http://schemas.microsoft.com/office/drawing/2014/main" id="{24FE78B5-AE58-AEDE-AB9F-6EF41957337D}"/>
-              </a:ext>
-            </a:extLst>
-          </p:cNvPr>
-          <p:cNvSpPr>
-            <a:spLocks noGrp="1"/>
-          </p:cNvSpPr>
-          <p:nvPr>
-            <p:ph type="title"/>
-          </p:nvPr>
-        </p:nvSpPr>
-        <p:spPr>
-          <a:xfrm>
-            <a:off x="863029" y="0"/>
-            <a:ext cx="10428269" cy="1325563"/>
-          </a:xfrm>
-        </p:spPr>
-        <p:txBody>
-          <a:bodyPr>
-            <a:normAutofit/>
-          </a:bodyPr>
-          <a:lstStyle/>
-          <a:p>
-            <a:pPr algn="ctr"/>
-            <a:r>
-              <a:rPr lang="en-US" dirty="0"/>
-              <a:t>Tester (Teams of 4)</a:t>
-            </a:r>
-          </a:p>
-        </p:txBody>
-      </p:sp>
-      <p:pic>
-        <p:nvPicPr>
-          <p:cNvPr id="3" name="Picture 2">
-            <a:extLst>
-              <a:ext uri="{FF2B5EF4-FFF2-40B4-BE49-F238E27FC236}">
-                <a16:creationId xmlns:a16="http://schemas.microsoft.com/office/drawing/2014/main" id="{2F766F8E-1D1C-99C7-4C96-289F3F5CAC86}"/>
-              </a:ext>
-            </a:extLst>
-          </p:cNvPr>
-          <p:cNvPicPr>
-            <a:picLocks noChangeAspect="1"/>
-          </p:cNvPicPr>
-          <p:nvPr/>
-        </p:nvPicPr>
-        <p:blipFill>
-          <a:blip r:embed="rId2"/>
-          <a:stretch>
-            <a:fillRect/>
-          </a:stretch>
-        </p:blipFill>
-        <p:spPr>
-          <a:xfrm>
-            <a:off x="34395" y="1455808"/>
-            <a:ext cx="12123209" cy="3946383"/>
-          </a:xfrm>
-          <a:prstGeom prst="rect">
-            <a:avLst/>
-          </a:prstGeom>
-        </p:spPr>
-      </p:pic>
-      <mc:AlternateContent xmlns:mc="http://schemas.openxmlformats.org/markup-compatibility/2006">
-        <mc:Choice xmlns:p14="http://schemas.microsoft.com/office/powerpoint/2010/main" Requires="p14">
-          <p:contentPart p14:bwMode="auto" r:id="rId3">
-            <p14:nvContentPartPr>
-              <p14:cNvPr id="4" name="Ink 3">
-                <a:extLst>
-                  <a:ext uri="{FF2B5EF4-FFF2-40B4-BE49-F238E27FC236}">
-                    <a16:creationId xmlns:a16="http://schemas.microsoft.com/office/drawing/2014/main" id="{9F3E8E0C-72BF-435F-1F34-967BB48DE3E7}"/>
-                  </a:ext>
-                </a:extLst>
-              </p14:cNvPr>
-              <p14:cNvContentPartPr/>
-              <p14:nvPr/>
-            </p14:nvContentPartPr>
-            <p14:xfrm>
-              <a:off x="6277243" y="4305042"/>
-              <a:ext cx="1242000" cy="42480"/>
-            </p14:xfrm>
-          </p:contentPart>
-        </mc:Choice>
-        <mc:Fallback>
-          <p:pic>
-            <p:nvPicPr>
-              <p:cNvPr id="4" name="Ink 3">
-                <a:extLst>
-                  <a:ext uri="{FF2B5EF4-FFF2-40B4-BE49-F238E27FC236}">
-                    <a16:creationId xmlns:a16="http://schemas.microsoft.com/office/drawing/2014/main" id="{9F3E8E0C-72BF-435F-1F34-967BB48DE3E7}"/>
-                  </a:ext>
-                </a:extLst>
-              </p:cNvPr>
-              <p:cNvPicPr/>
-              <p:nvPr/>
-            </p:nvPicPr>
-            <p:blipFill>
-              <a:blip r:embed="rId4"/>
-              <a:stretch>
-                <a:fillRect/>
-              </a:stretch>
-            </p:blipFill>
-            <p:spPr>
-              <a:xfrm>
-                <a:off x="6223603" y="4197042"/>
-                <a:ext cx="1349640" cy="258120"/>
-              </a:xfrm>
-              <a:prstGeom prst="rect">
-                <a:avLst/>
-              </a:prstGeom>
-            </p:spPr>
-          </p:pic>
-        </mc:Fallback>
-      </mc:AlternateContent>
-    </p:spTree>
-    <p:extLst>
-      <p:ext uri="{BB962C8B-B14F-4D97-AF65-F5344CB8AC3E}">
-        <p14:creationId xmlns:p14="http://schemas.microsoft.com/office/powerpoint/2010/main" val="2080053167"/>
       </p:ext>
     </p:extLst>
   </p:cSld>
